--- a/Slides_Project_2048.pptx
+++ b/Slides_Project_2048.pptx
@@ -6402,7 +6402,7 @@
         <p:spPr>
           <a:xfrm>
             <a:off x="462094" y="1027684"/>
-            <a:ext cx="10891706" cy="369332"/>
+            <a:ext cx="11089546" cy="738664"/>
           </a:xfrm>
           <a:prstGeom prst="rect">
             <a:avLst/>
@@ -6420,15 +6420,43 @@
               <a:buChar char="•"/>
             </a:pPr>
             <a:r>
-              <a:rPr lang="en-US" b="0" i="0" dirty="0">
+              <a:rPr lang="en-US" dirty="0">
                 <a:solidFill>
                   <a:srgbClr val="002060"/>
                 </a:solidFill>
-                <a:effectLst/>
-                <a:latin typeface="Arial" panose="020B0604020202020204" pitchFamily="34" charset="0"/>
               </a:rPr>
-              <a:t>…</a:t>
-            </a:r>
+              <a:t> </a:t>
+            </a:r>
+            <a:r>
+              <a:rPr lang="en-US" sz="2400" dirty="0">
+                <a:solidFill>
+                  <a:srgbClr val="002060"/>
+                </a:solidFill>
+              </a:rPr>
+              <a:t>The </a:t>
+            </a:r>
+            <a:r>
+              <a:rPr lang="en-US" sz="2400" b="1" dirty="0">
+                <a:solidFill>
+                  <a:srgbClr val="00B050"/>
+                </a:solidFill>
+              </a:rPr>
+              <a:t>Monte-Carlo tends to perform better</a:t>
+            </a:r>
+            <a:r>
+              <a:rPr lang="en-US" sz="2400" dirty="0">
+                <a:solidFill>
+                  <a:srgbClr val="002060"/>
+                </a:solidFill>
+              </a:rPr>
+              <a:t> and more linearly than Expectimax.</a:t>
+            </a:r>
+          </a:p>
+          <a:p>
+            <a:pPr marL="285750" indent="-285750">
+              <a:buFont typeface="Arial" panose="020B0604020202020204" pitchFamily="34" charset="0"/>
+              <a:buChar char="•"/>
+            </a:pPr>
             <a:endParaRPr lang="fr-BE" dirty="0">
               <a:solidFill>
                 <a:srgbClr val="002060"/>
@@ -6488,8 +6516,8 @@
         </p:blipFill>
         <p:spPr>
           <a:xfrm>
-            <a:off x="445433" y="2460077"/>
-            <a:ext cx="5495589" cy="3394805"/>
+            <a:off x="462094" y="1766346"/>
+            <a:ext cx="5425893" cy="3394805"/>
           </a:xfrm>
           <a:prstGeom prst="rect">
             <a:avLst/>
@@ -6523,8 +6551,8 @@
         </p:blipFill>
         <p:spPr>
           <a:xfrm>
-            <a:off x="6250979" y="2460077"/>
-            <a:ext cx="5366831" cy="3394805"/>
+            <a:off x="6304015" y="1766345"/>
+            <a:ext cx="5221422" cy="3394805"/>
           </a:xfrm>
           <a:prstGeom prst="rect">
             <a:avLst/>
@@ -7343,18 +7371,18 @@
 </file>
 
 <file path=customXml/item2.xml><?xml version="1.0" encoding="utf-8"?>
-<p:properties xmlns:p="http://schemas.microsoft.com/office/2006/metadata/properties" xmlns:xsi="http://www.w3.org/2001/XMLSchema-instance" xmlns:pc="http://schemas.microsoft.com/office/infopath/2007/PartnerControls">
-  <documentManagement/>
-</p:properties>
-</file>
-
-<file path=customXml/item3.xml><?xml version="1.0" encoding="utf-8"?>
 <?mso-contentType ?>
 <FormTemplates xmlns="http://schemas.microsoft.com/sharepoint/v3/contenttype/forms">
   <Display>DocumentLibraryForm</Display>
   <Edit>DocumentLibraryForm</Edit>
   <New>DocumentLibraryForm</New>
 </FormTemplates>
+</file>
+
+<file path=customXml/item3.xml><?xml version="1.0" encoding="utf-8"?>
+<p:properties xmlns:p="http://schemas.microsoft.com/office/2006/metadata/properties" xmlns:xsi="http://www.w3.org/2001/XMLSchema-instance" xmlns:pc="http://schemas.microsoft.com/office/infopath/2007/PartnerControls">
+  <documentManagement/>
+</p:properties>
 </file>
 
 <file path=customXml/itemProps1.xml><?xml version="1.0" encoding="utf-8"?>
@@ -7377,6 +7405,14 @@
 </file>
 
 <file path=customXml/itemProps2.xml><?xml version="1.0" encoding="utf-8"?>
+<ds:datastoreItem xmlns:ds="http://schemas.openxmlformats.org/officeDocument/2006/customXml" ds:itemID="{292355CE-915B-452F-83C4-D0F453A82B68}">
+  <ds:schemaRefs>
+    <ds:schemaRef ds:uri="http://schemas.microsoft.com/sharepoint/v3/contenttype/forms"/>
+  </ds:schemaRefs>
+</ds:datastoreItem>
+</file>
+
+<file path=customXml/itemProps3.xml><?xml version="1.0" encoding="utf-8"?>
 <ds:datastoreItem xmlns:ds="http://schemas.openxmlformats.org/officeDocument/2006/customXml" ds:itemID="{AF82C3FB-710F-4A9D-9A53-30590338B494}">
   <ds:schemaRefs>
     <ds:schemaRef ds:uri="http://purl.org/dc/elements/1.1/"/>
@@ -7391,12 +7427,4 @@
     <ds:schemaRef ds:uri="http://www.w3.org/XML/1998/namespace"/>
   </ds:schemaRefs>
 </ds:datastoreItem>
-</file>
-
-<file path=customXml/itemProps3.xml><?xml version="1.0" encoding="utf-8"?>
-<ds:datastoreItem xmlns:ds="http://schemas.openxmlformats.org/officeDocument/2006/customXml" ds:itemID="{292355CE-915B-452F-83C4-D0F453A82B68}">
-  <ds:schemaRefs>
-    <ds:schemaRef ds:uri="http://schemas.microsoft.com/sharepoint/v3/contenttype/forms"/>
-  </ds:schemaRefs>
-</ds:datastoreItem>
 </file>